--- a/Year III/Semester I/SD/Homework/01/Presentation.pptx
+++ b/Year III/Semester I/SD/Homework/01/Presentation.pptx
@@ -306,7 +306,7 @@
           <a:p>
             <a:fld id="{9EEB0A06-FF1B-434C-B9A4-1684AEC133B4}" type="datetimeFigureOut">
               <a:rPr lang="en-GB" smtClean="0"/>
-              <a:t>04/12/2024</a:t>
+              <a:t>16/01/2025</a:t>
             </a:fld>
             <a:endParaRPr lang="en-GB"/>
           </a:p>
@@ -518,7 +518,7 @@
           <a:p>
             <a:fld id="{790224AA-5397-4E0F-B4AD-0AAD0E288337}" type="datetimeFigureOut">
               <a:rPr lang="en-GB" smtClean="0"/>
-              <a:t>04/12/2024</a:t>
+              <a:t>16/01/2025</a:t>
             </a:fld>
             <a:endParaRPr lang="en-GB"/>
           </a:p>
@@ -740,7 +740,7 @@
           <a:p>
             <a:fld id="{790224AA-5397-4E0F-B4AD-0AAD0E288337}" type="datetimeFigureOut">
               <a:rPr lang="en-GB" smtClean="0"/>
-              <a:t>04/12/2024</a:t>
+              <a:t>16/01/2025</a:t>
             </a:fld>
             <a:endParaRPr lang="en-GB"/>
           </a:p>
@@ -952,7 +952,7 @@
           <a:p>
             <a:fld id="{10ACA2C8-077B-4087-B3ED-53F204BB4423}" type="datetimeFigureOut">
               <a:rPr lang="en-GB" smtClean="0"/>
-              <a:t>04/12/2024</a:t>
+              <a:t>16/01/2025</a:t>
             </a:fld>
             <a:endParaRPr lang="en-GB"/>
           </a:p>
@@ -1240,7 +1240,7 @@
           <a:p>
             <a:fld id="{790224AA-5397-4E0F-B4AD-0AAD0E288337}" type="datetimeFigureOut">
               <a:rPr lang="en-GB" smtClean="0"/>
-              <a:t>04/12/2024</a:t>
+              <a:t>16/01/2025</a:t>
             </a:fld>
             <a:endParaRPr lang="en-GB"/>
           </a:p>
@@ -1520,7 +1520,7 @@
           <a:p>
             <a:fld id="{790224AA-5397-4E0F-B4AD-0AAD0E288337}" type="datetimeFigureOut">
               <a:rPr lang="en-GB" smtClean="0"/>
-              <a:t>04/12/2024</a:t>
+              <a:t>16/01/2025</a:t>
             </a:fld>
             <a:endParaRPr lang="en-GB"/>
           </a:p>
@@ -1947,7 +1947,7 @@
           <a:p>
             <a:fld id="{790224AA-5397-4E0F-B4AD-0AAD0E288337}" type="datetimeFigureOut">
               <a:rPr lang="en-GB" smtClean="0"/>
-              <a:t>04/12/2024</a:t>
+              <a:t>16/01/2025</a:t>
             </a:fld>
             <a:endParaRPr lang="en-GB"/>
           </a:p>
@@ -2101,7 +2101,7 @@
           <a:p>
             <a:fld id="{790224AA-5397-4E0F-B4AD-0AAD0E288337}" type="datetimeFigureOut">
               <a:rPr lang="en-GB" smtClean="0"/>
-              <a:t>04/12/2024</a:t>
+              <a:t>16/01/2025</a:t>
             </a:fld>
             <a:endParaRPr lang="en-GB"/>
           </a:p>
@@ -2226,7 +2226,7 @@
           <a:p>
             <a:fld id="{790224AA-5397-4E0F-B4AD-0AAD0E288337}" type="datetimeFigureOut">
               <a:rPr lang="en-GB" smtClean="0"/>
-              <a:t>04/12/2024</a:t>
+              <a:t>16/01/2025</a:t>
             </a:fld>
             <a:endParaRPr lang="en-GB"/>
           </a:p>
@@ -2551,7 +2551,7 @@
           <a:p>
             <a:fld id="{790224AA-5397-4E0F-B4AD-0AAD0E288337}" type="datetimeFigureOut">
               <a:rPr lang="en-GB" smtClean="0"/>
-              <a:t>04/12/2024</a:t>
+              <a:t>16/01/2025</a:t>
             </a:fld>
             <a:endParaRPr lang="en-GB"/>
           </a:p>
@@ -2852,7 +2852,7 @@
           <a:p>
             <a:fld id="{790224AA-5397-4E0F-B4AD-0AAD0E288337}" type="datetimeFigureOut">
               <a:rPr lang="en-GB" smtClean="0"/>
-              <a:t>04/12/2024</a:t>
+              <a:t>16/01/2025</a:t>
             </a:fld>
             <a:endParaRPr lang="en-GB"/>
           </a:p>
@@ -3129,7 +3129,7 @@
           <a:p>
             <a:fld id="{790224AA-5397-4E0F-B4AD-0AAD0E288337}" type="datetimeFigureOut">
               <a:rPr lang="en-GB" smtClean="0"/>
-              <a:t>04/12/2024</a:t>
+              <a:t>16/01/2025</a:t>
             </a:fld>
             <a:endParaRPr lang="en-GB"/>
           </a:p>
